--- a/Ch2/Ch2-pointer & array.pptx
+++ b/Ch2/Ch2-pointer & array.pptx
@@ -269,7 +269,7 @@
           <a:p>
             <a:fld id="{D86A3B78-12CF-461B-B446-6793B5E181A3}" type="datetimeFigureOut">
               <a:rPr lang="zh-TW" altLang="en-US" smtClean="0"/>
-              <a:t>2022/11/10</a:t>
+              <a:t>2022/11/13</a:t>
             </a:fld>
             <a:endParaRPr lang="zh-TW" altLang="en-US"/>
           </a:p>
@@ -754,7 +754,7 @@
           <a:p>
             <a:fld id="{38353665-5DAE-4613-83DB-7D58244FC929}" type="datetimeFigureOut">
               <a:rPr lang="zh-TW" altLang="en-US" smtClean="0"/>
-              <a:t>2022/11/10</a:t>
+              <a:t>2022/11/13</a:t>
             </a:fld>
             <a:endParaRPr lang="zh-TW" altLang="en-US"/>
           </a:p>
@@ -924,7 +924,7 @@
           <a:p>
             <a:fld id="{38353665-5DAE-4613-83DB-7D58244FC929}" type="datetimeFigureOut">
               <a:rPr lang="zh-TW" altLang="en-US" smtClean="0"/>
-              <a:t>2022/11/10</a:t>
+              <a:t>2022/11/13</a:t>
             </a:fld>
             <a:endParaRPr lang="zh-TW" altLang="en-US"/>
           </a:p>
@@ -1104,7 +1104,7 @@
           <a:p>
             <a:fld id="{38353665-5DAE-4613-83DB-7D58244FC929}" type="datetimeFigureOut">
               <a:rPr lang="zh-TW" altLang="en-US" smtClean="0"/>
-              <a:t>2022/11/10</a:t>
+              <a:t>2022/11/13</a:t>
             </a:fld>
             <a:endParaRPr lang="zh-TW" altLang="en-US"/>
           </a:p>
@@ -1274,7 +1274,7 @@
           <a:p>
             <a:fld id="{38353665-5DAE-4613-83DB-7D58244FC929}" type="datetimeFigureOut">
               <a:rPr lang="zh-TW" altLang="en-US" smtClean="0"/>
-              <a:t>2022/11/10</a:t>
+              <a:t>2022/11/13</a:t>
             </a:fld>
             <a:endParaRPr lang="zh-TW" altLang="en-US"/>
           </a:p>
@@ -1520,7 +1520,7 @@
           <a:p>
             <a:fld id="{38353665-5DAE-4613-83DB-7D58244FC929}" type="datetimeFigureOut">
               <a:rPr lang="zh-TW" altLang="en-US" smtClean="0"/>
-              <a:t>2022/11/10</a:t>
+              <a:t>2022/11/13</a:t>
             </a:fld>
             <a:endParaRPr lang="zh-TW" altLang="en-US"/>
           </a:p>
@@ -1752,7 +1752,7 @@
           <a:p>
             <a:fld id="{38353665-5DAE-4613-83DB-7D58244FC929}" type="datetimeFigureOut">
               <a:rPr lang="zh-TW" altLang="en-US" smtClean="0"/>
-              <a:t>2022/11/10</a:t>
+              <a:t>2022/11/13</a:t>
             </a:fld>
             <a:endParaRPr lang="zh-TW" altLang="en-US"/>
           </a:p>
@@ -2119,7 +2119,7 @@
           <a:p>
             <a:fld id="{38353665-5DAE-4613-83DB-7D58244FC929}" type="datetimeFigureOut">
               <a:rPr lang="zh-TW" altLang="en-US" smtClean="0"/>
-              <a:t>2022/11/10</a:t>
+              <a:t>2022/11/13</a:t>
             </a:fld>
             <a:endParaRPr lang="zh-TW" altLang="en-US"/>
           </a:p>
@@ -2237,7 +2237,7 @@
           <a:p>
             <a:fld id="{38353665-5DAE-4613-83DB-7D58244FC929}" type="datetimeFigureOut">
               <a:rPr lang="zh-TW" altLang="en-US" smtClean="0"/>
-              <a:t>2022/11/10</a:t>
+              <a:t>2022/11/13</a:t>
             </a:fld>
             <a:endParaRPr lang="zh-TW" altLang="en-US"/>
           </a:p>
@@ -2332,7 +2332,7 @@
           <a:p>
             <a:fld id="{38353665-5DAE-4613-83DB-7D58244FC929}" type="datetimeFigureOut">
               <a:rPr lang="zh-TW" altLang="en-US" smtClean="0"/>
-              <a:t>2022/11/10</a:t>
+              <a:t>2022/11/13</a:t>
             </a:fld>
             <a:endParaRPr lang="zh-TW" altLang="en-US"/>
           </a:p>
@@ -2609,7 +2609,7 @@
           <a:p>
             <a:fld id="{38353665-5DAE-4613-83DB-7D58244FC929}" type="datetimeFigureOut">
               <a:rPr lang="zh-TW" altLang="en-US" smtClean="0"/>
-              <a:t>2022/11/10</a:t>
+              <a:t>2022/11/13</a:t>
             </a:fld>
             <a:endParaRPr lang="zh-TW" altLang="en-US"/>
           </a:p>
@@ -2866,7 +2866,7 @@
           <a:p>
             <a:fld id="{38353665-5DAE-4613-83DB-7D58244FC929}" type="datetimeFigureOut">
               <a:rPr lang="zh-TW" altLang="en-US" smtClean="0"/>
-              <a:t>2022/11/10</a:t>
+              <a:t>2022/11/13</a:t>
             </a:fld>
             <a:endParaRPr lang="zh-TW" altLang="en-US"/>
           </a:p>
@@ -3079,7 +3079,7 @@
           <a:p>
             <a:fld id="{38353665-5DAE-4613-83DB-7D58244FC929}" type="datetimeFigureOut">
               <a:rPr lang="zh-TW" altLang="en-US" smtClean="0"/>
-              <a:t>2022/11/10</a:t>
+              <a:t>2022/11/13</a:t>
             </a:fld>
             <a:endParaRPr lang="zh-TW" altLang="en-US"/>
           </a:p>
